--- a/wedding/assets/map.pptx
+++ b/wedding/assets/map.pptx
@@ -5,10 +5,11 @@
     <p:sldMasterId id="2147483648" r:id="rId1"/>
   </p:sldMasterIdLst>
   <p:notesMasterIdLst>
-    <p:notesMasterId r:id="rId3"/>
+    <p:notesMasterId r:id="rId4"/>
   </p:notesMasterIdLst>
   <p:sldIdLst>
     <p:sldId id="256" r:id="rId2"/>
+    <p:sldId id="257" r:id="rId3"/>
   </p:sldIdLst>
   <p:sldSz cx="12192000" cy="6858000"/>
   <p:notesSz cx="6858000" cy="9144000"/>
@@ -107,6 +108,11 @@
       </a:defRPr>
     </a:lvl9pPr>
   </p:defaultTextStyle>
+  <p:extLst>
+    <p:ext uri="{EFAFB233-063F-42B5-8137-9DF3F51BA10A}">
+      <p15:sldGuideLst xmlns:p15="http://schemas.microsoft.com/office/powerpoint/2012/main"/>
+    </p:ext>
+  </p:extLst>
 </p:presentation>
 </file>
 
@@ -192,7 +198,7 @@
           <a:p>
             <a:fld id="{DA4C4A5A-640A-7449-B270-13CE89141E29}" type="datetimeFigureOut">
               <a:rPr lang="en-KR" smtClean="0"/>
-              <a:t>7/28/25</a:t>
+              <a:t>9/28/25</a:t>
             </a:fld>
             <a:endParaRPr lang="en-KR"/>
           </a:p>
@@ -693,7 +699,7 @@
           <a:p>
             <a:fld id="{DD6533EB-8860-E645-AC23-A954F2D375BE}" type="datetimeFigureOut">
               <a:rPr lang="en-KR" smtClean="0"/>
-              <a:t>7/26/25</a:t>
+              <a:t>9/28/25</a:t>
             </a:fld>
             <a:endParaRPr lang="en-KR"/>
           </a:p>
@@ -893,7 +899,7 @@
           <a:p>
             <a:fld id="{DD6533EB-8860-E645-AC23-A954F2D375BE}" type="datetimeFigureOut">
               <a:rPr lang="en-KR" smtClean="0"/>
-              <a:t>7/26/25</a:t>
+              <a:t>9/28/25</a:t>
             </a:fld>
             <a:endParaRPr lang="en-KR"/>
           </a:p>
@@ -1103,7 +1109,7 @@
           <a:p>
             <a:fld id="{DD6533EB-8860-E645-AC23-A954F2D375BE}" type="datetimeFigureOut">
               <a:rPr lang="en-KR" smtClean="0"/>
-              <a:t>7/26/25</a:t>
+              <a:t>9/28/25</a:t>
             </a:fld>
             <a:endParaRPr lang="en-KR"/>
           </a:p>
@@ -1303,7 +1309,7 @@
           <a:p>
             <a:fld id="{DD6533EB-8860-E645-AC23-A954F2D375BE}" type="datetimeFigureOut">
               <a:rPr lang="en-KR" smtClean="0"/>
-              <a:t>7/26/25</a:t>
+              <a:t>9/28/25</a:t>
             </a:fld>
             <a:endParaRPr lang="en-KR"/>
           </a:p>
@@ -1579,7 +1585,7 @@
           <a:p>
             <a:fld id="{DD6533EB-8860-E645-AC23-A954F2D375BE}" type="datetimeFigureOut">
               <a:rPr lang="en-KR" smtClean="0"/>
-              <a:t>7/26/25</a:t>
+              <a:t>9/28/25</a:t>
             </a:fld>
             <a:endParaRPr lang="en-KR"/>
           </a:p>
@@ -1847,7 +1853,7 @@
           <a:p>
             <a:fld id="{DD6533EB-8860-E645-AC23-A954F2D375BE}" type="datetimeFigureOut">
               <a:rPr lang="en-KR" smtClean="0"/>
-              <a:t>7/26/25</a:t>
+              <a:t>9/28/25</a:t>
             </a:fld>
             <a:endParaRPr lang="en-KR"/>
           </a:p>
@@ -2262,7 +2268,7 @@
           <a:p>
             <a:fld id="{DD6533EB-8860-E645-AC23-A954F2D375BE}" type="datetimeFigureOut">
               <a:rPr lang="en-KR" smtClean="0"/>
-              <a:t>7/26/25</a:t>
+              <a:t>9/28/25</a:t>
             </a:fld>
             <a:endParaRPr lang="en-KR"/>
           </a:p>
@@ -2404,7 +2410,7 @@
           <a:p>
             <a:fld id="{DD6533EB-8860-E645-AC23-A954F2D375BE}" type="datetimeFigureOut">
               <a:rPr lang="en-KR" smtClean="0"/>
-              <a:t>7/26/25</a:t>
+              <a:t>9/28/25</a:t>
             </a:fld>
             <a:endParaRPr lang="en-KR"/>
           </a:p>
@@ -2517,7 +2523,7 @@
           <a:p>
             <a:fld id="{DD6533EB-8860-E645-AC23-A954F2D375BE}" type="datetimeFigureOut">
               <a:rPr lang="en-KR" smtClean="0"/>
-              <a:t>7/26/25</a:t>
+              <a:t>9/28/25</a:t>
             </a:fld>
             <a:endParaRPr lang="en-KR"/>
           </a:p>
@@ -2830,7 +2836,7 @@
           <a:p>
             <a:fld id="{DD6533EB-8860-E645-AC23-A954F2D375BE}" type="datetimeFigureOut">
               <a:rPr lang="en-KR" smtClean="0"/>
-              <a:t>7/26/25</a:t>
+              <a:t>9/28/25</a:t>
             </a:fld>
             <a:endParaRPr lang="en-KR"/>
           </a:p>
@@ -3119,7 +3125,7 @@
           <a:p>
             <a:fld id="{DD6533EB-8860-E645-AC23-A954F2D375BE}" type="datetimeFigureOut">
               <a:rPr lang="en-KR" smtClean="0"/>
-              <a:t>7/26/25</a:t>
+              <a:t>9/28/25</a:t>
             </a:fld>
             <a:endParaRPr lang="en-KR"/>
           </a:p>
@@ -3362,7 +3368,7 @@
           <a:p>
             <a:fld id="{DD6533EB-8860-E645-AC23-A954F2D375BE}" type="datetimeFigureOut">
               <a:rPr lang="en-KR" smtClean="0"/>
-              <a:t>7/26/25</a:t>
+              <a:t>9/28/25</a:t>
             </a:fld>
             <a:endParaRPr lang="en-KR"/>
           </a:p>
@@ -4838,6 +4844,929 @@
     <p:extLst>
       <p:ext uri="{BB962C8B-B14F-4D97-AF65-F5344CB8AC3E}">
         <p14:creationId xmlns:p14="http://schemas.microsoft.com/office/powerpoint/2010/main" val="2498730692"/>
+      </p:ext>
+    </p:extLst>
+  </p:cSld>
+  <p:clrMapOvr>
+    <a:masterClrMapping/>
+  </p:clrMapOvr>
+</p:sld>
+</file>
+
+<file path=ppt/slides/slide2.xml><?xml version="1.0" encoding="utf-8"?>
+<p:sld xmlns:a="http://schemas.openxmlformats.org/drawingml/2006/main" xmlns:r="http://schemas.openxmlformats.org/officeDocument/2006/relationships" xmlns:p="http://schemas.openxmlformats.org/presentationml/2006/main">
+  <p:cSld>
+    <p:spTree>
+      <p:nvGrpSpPr>
+        <p:cNvPr id="1" name=""/>
+        <p:cNvGrpSpPr/>
+        <p:nvPr/>
+      </p:nvGrpSpPr>
+      <p:grpSpPr>
+        <a:xfrm>
+          <a:off x="0" y="0"/>
+          <a:ext cx="0" cy="0"/>
+          <a:chOff x="0" y="0"/>
+          <a:chExt cx="0" cy="0"/>
+        </a:xfrm>
+      </p:grpSpPr>
+      <p:grpSp>
+        <p:nvGrpSpPr>
+          <p:cNvPr id="25" name="Group 24">
+            <a:extLst>
+              <a:ext uri="{FF2B5EF4-FFF2-40B4-BE49-F238E27FC236}">
+                <a16:creationId xmlns:a16="http://schemas.microsoft.com/office/drawing/2014/main" id="{A8FEF96C-67F5-FB80-76AF-94E80B184AE7}"/>
+              </a:ext>
+            </a:extLst>
+          </p:cNvPr>
+          <p:cNvGrpSpPr/>
+          <p:nvPr/>
+        </p:nvGrpSpPr>
+        <p:grpSpPr>
+          <a:xfrm>
+            <a:off x="2673328" y="1217068"/>
+            <a:ext cx="5593979" cy="4436555"/>
+            <a:chOff x="2673328" y="1217068"/>
+            <a:chExt cx="5593979" cy="4436555"/>
+          </a:xfrm>
+        </p:grpSpPr>
+        <p:pic>
+          <p:nvPicPr>
+            <p:cNvPr id="9" name="Picture 8">
+              <a:extLst>
+                <a:ext uri="{FF2B5EF4-FFF2-40B4-BE49-F238E27FC236}">
+                  <a16:creationId xmlns:a16="http://schemas.microsoft.com/office/drawing/2014/main" id="{ED4D0644-D335-7DB0-FF5B-CEAD717A671E}"/>
+                </a:ext>
+              </a:extLst>
+            </p:cNvPr>
+            <p:cNvPicPr>
+              <a:picLocks noChangeAspect="1"/>
+            </p:cNvPicPr>
+            <p:nvPr/>
+          </p:nvPicPr>
+          <p:blipFill>
+            <a:blip r:embed="rId2"/>
+            <a:stretch>
+              <a:fillRect/>
+            </a:stretch>
+          </p:blipFill>
+          <p:spPr>
+            <a:xfrm>
+              <a:off x="2673328" y="1337188"/>
+              <a:ext cx="5593979" cy="4316435"/>
+            </a:xfrm>
+            <a:prstGeom prst="rect">
+              <a:avLst/>
+            </a:prstGeom>
+          </p:spPr>
+        </p:pic>
+        <p:sp>
+          <p:nvSpPr>
+            <p:cNvPr id="10" name="TextBox 9">
+              <a:extLst>
+                <a:ext uri="{FF2B5EF4-FFF2-40B4-BE49-F238E27FC236}">
+                  <a16:creationId xmlns:a16="http://schemas.microsoft.com/office/drawing/2014/main" id="{6039D1B2-CFCA-8D3B-80B1-57B414EA48F7}"/>
+                </a:ext>
+              </a:extLst>
+            </p:cNvPr>
+            <p:cNvSpPr txBox="1"/>
+            <p:nvPr/>
+          </p:nvSpPr>
+          <p:spPr>
+            <a:xfrm>
+              <a:off x="2932459" y="1217068"/>
+              <a:ext cx="1627370" cy="830997"/>
+            </a:xfrm>
+            <a:prstGeom prst="rect">
+              <a:avLst/>
+            </a:prstGeom>
+            <a:solidFill>
+              <a:schemeClr val="bg1"/>
+            </a:solidFill>
+          </p:spPr>
+          <p:txBody>
+            <a:bodyPr wrap="none" rtlCol="0">
+              <a:spAutoFit/>
+            </a:bodyPr>
+            <a:lstStyle/>
+            <a:p>
+              <a:pPr algn="ctr"/>
+              <a:r>
+                <a:rPr lang="ko-KR" altLang="en-US" sz="2400" b="1" dirty="0">
+                  <a:latin typeface="NanumGothic" panose="020D0604000000000000" pitchFamily="34" charset="-127"/>
+                  <a:ea typeface="NanumGothic" panose="020D0604000000000000" pitchFamily="34" charset="-127"/>
+                </a:rPr>
+                <a:t>서울대학교</a:t>
+              </a:r>
+              <a:br>
+                <a:rPr lang="en-US" altLang="ko-KR" sz="2400" b="1" dirty="0">
+                  <a:latin typeface="NanumGothic" panose="020D0604000000000000" pitchFamily="34" charset="-127"/>
+                  <a:ea typeface="NanumGothic" panose="020D0604000000000000" pitchFamily="34" charset="-127"/>
+                </a:rPr>
+              </a:br>
+              <a:r>
+                <a:rPr lang="ko-KR" altLang="en-US" sz="2400" b="1" dirty="0">
+                  <a:latin typeface="NanumGothic" panose="020D0604000000000000" pitchFamily="34" charset="-127"/>
+                  <a:ea typeface="NanumGothic" panose="020D0604000000000000" pitchFamily="34" charset="-127"/>
+                </a:rPr>
+                <a:t>연구공원</a:t>
+              </a:r>
+              <a:endParaRPr lang="en-KR" sz="2400" b="1" dirty="0">
+                <a:latin typeface="NanumGothic" panose="020D0604000000000000" pitchFamily="34" charset="-127"/>
+                <a:ea typeface="NanumGothic" panose="020D0604000000000000" pitchFamily="34" charset="-127"/>
+              </a:endParaRPr>
+            </a:p>
+          </p:txBody>
+        </p:sp>
+        <p:sp>
+          <p:nvSpPr>
+            <p:cNvPr id="11" name="TextBox 10">
+              <a:extLst>
+                <a:ext uri="{FF2B5EF4-FFF2-40B4-BE49-F238E27FC236}">
+                  <a16:creationId xmlns:a16="http://schemas.microsoft.com/office/drawing/2014/main" id="{93F99F61-B8CC-DA22-67C7-4497EEBB458F}"/>
+                </a:ext>
+              </a:extLst>
+            </p:cNvPr>
+            <p:cNvSpPr txBox="1"/>
+            <p:nvPr/>
+          </p:nvSpPr>
+          <p:spPr>
+            <a:xfrm>
+              <a:off x="4515681" y="2725173"/>
+              <a:ext cx="1338829" cy="338554"/>
+            </a:xfrm>
+            <a:prstGeom prst="rect">
+              <a:avLst/>
+            </a:prstGeom>
+            <a:solidFill>
+              <a:schemeClr val="bg1"/>
+            </a:solidFill>
+          </p:spPr>
+          <p:txBody>
+            <a:bodyPr wrap="none" rtlCol="0">
+              <a:spAutoFit/>
+            </a:bodyPr>
+            <a:lstStyle/>
+            <a:p>
+              <a:pPr algn="ctr"/>
+              <a:r>
+                <a:rPr lang="ko-KR" altLang="en-US" sz="1600" dirty="0" err="1">
+                  <a:latin typeface="NanumGothic" panose="020D0604000000000000" pitchFamily="34" charset="-127"/>
+                  <a:ea typeface="NanumGothic" panose="020D0604000000000000" pitchFamily="34" charset="-127"/>
+                </a:rPr>
+                <a:t>호암교수회관</a:t>
+              </a:r>
+              <a:endParaRPr lang="en-KR" sz="1600" dirty="0">
+                <a:latin typeface="NanumGothic" panose="020D0604000000000000" pitchFamily="34" charset="-127"/>
+                <a:ea typeface="NanumGothic" panose="020D0604000000000000" pitchFamily="34" charset="-127"/>
+              </a:endParaRPr>
+            </a:p>
+          </p:txBody>
+        </p:sp>
+        <p:sp>
+          <p:nvSpPr>
+            <p:cNvPr id="12" name="TextBox 11">
+              <a:extLst>
+                <a:ext uri="{FF2B5EF4-FFF2-40B4-BE49-F238E27FC236}">
+                  <a16:creationId xmlns:a16="http://schemas.microsoft.com/office/drawing/2014/main" id="{A88BDE31-7890-791D-6427-C2CF1B02201F}"/>
+                </a:ext>
+              </a:extLst>
+            </p:cNvPr>
+            <p:cNvSpPr txBox="1"/>
+            <p:nvPr/>
+          </p:nvSpPr>
+          <p:spPr>
+            <a:xfrm>
+              <a:off x="4806500" y="2386619"/>
+              <a:ext cx="1146469" cy="338554"/>
+            </a:xfrm>
+            <a:prstGeom prst="rect">
+              <a:avLst/>
+            </a:prstGeom>
+            <a:solidFill>
+              <a:schemeClr val="bg1"/>
+            </a:solidFill>
+          </p:spPr>
+          <p:txBody>
+            <a:bodyPr wrap="none" rtlCol="0">
+              <a:spAutoFit/>
+            </a:bodyPr>
+            <a:lstStyle/>
+            <a:p>
+              <a:pPr algn="ctr"/>
+              <a:r>
+                <a:rPr lang="ko-KR" altLang="en-US" sz="1600" dirty="0">
+                  <a:latin typeface="NanumGothic" panose="020D0604000000000000" pitchFamily="34" charset="-127"/>
+                  <a:ea typeface="NanumGothic" panose="020D0604000000000000" pitchFamily="34" charset="-127"/>
+                </a:rPr>
+                <a:t>가족생활동</a:t>
+              </a:r>
+              <a:endParaRPr lang="en-KR" sz="1600" dirty="0">
+                <a:latin typeface="NanumGothic" panose="020D0604000000000000" pitchFamily="34" charset="-127"/>
+                <a:ea typeface="NanumGothic" panose="020D0604000000000000" pitchFamily="34" charset="-127"/>
+              </a:endParaRPr>
+            </a:p>
+          </p:txBody>
+        </p:sp>
+        <p:sp>
+          <p:nvSpPr>
+            <p:cNvPr id="13" name="TextBox 12">
+              <a:extLst>
+                <a:ext uri="{FF2B5EF4-FFF2-40B4-BE49-F238E27FC236}">
+                  <a16:creationId xmlns:a16="http://schemas.microsoft.com/office/drawing/2014/main" id="{06A6603A-6ABC-D2CD-2E67-D4A47C6AE81D}"/>
+                </a:ext>
+              </a:extLst>
+            </p:cNvPr>
+            <p:cNvSpPr txBox="1"/>
+            <p:nvPr/>
+          </p:nvSpPr>
+          <p:spPr>
+            <a:xfrm>
+              <a:off x="6475799" y="2951432"/>
+              <a:ext cx="1146469" cy="338554"/>
+            </a:xfrm>
+            <a:prstGeom prst="rect">
+              <a:avLst/>
+            </a:prstGeom>
+            <a:solidFill>
+              <a:schemeClr val="bg1"/>
+            </a:solidFill>
+          </p:spPr>
+          <p:txBody>
+            <a:bodyPr wrap="none" rtlCol="0">
+              <a:spAutoFit/>
+            </a:bodyPr>
+            <a:lstStyle/>
+            <a:p>
+              <a:pPr algn="ctr"/>
+              <a:r>
+                <a:rPr lang="ko-KR" altLang="en-US" sz="1600" dirty="0">
+                  <a:latin typeface="NanumGothic" panose="020D0604000000000000" pitchFamily="34" charset="-127"/>
+                  <a:ea typeface="NanumGothic" panose="020D0604000000000000" pitchFamily="34" charset="-127"/>
+                </a:rPr>
+                <a:t>교수아파트</a:t>
+              </a:r>
+              <a:endParaRPr lang="en-KR" sz="1600" dirty="0">
+                <a:latin typeface="NanumGothic" panose="020D0604000000000000" pitchFamily="34" charset="-127"/>
+                <a:ea typeface="NanumGothic" panose="020D0604000000000000" pitchFamily="34" charset="-127"/>
+              </a:endParaRPr>
+            </a:p>
+          </p:txBody>
+        </p:sp>
+        <p:sp>
+          <p:nvSpPr>
+            <p:cNvPr id="14" name="TextBox 13">
+              <a:extLst>
+                <a:ext uri="{FF2B5EF4-FFF2-40B4-BE49-F238E27FC236}">
+                  <a16:creationId xmlns:a16="http://schemas.microsoft.com/office/drawing/2014/main" id="{68FD27B5-8A99-93BE-B744-D6804A2B3A5F}"/>
+                </a:ext>
+              </a:extLst>
+            </p:cNvPr>
+            <p:cNvSpPr txBox="1"/>
+            <p:nvPr/>
+          </p:nvSpPr>
+          <p:spPr>
+            <a:xfrm>
+              <a:off x="6811810" y="1519152"/>
+              <a:ext cx="1396536" cy="1323439"/>
+            </a:xfrm>
+            <a:prstGeom prst="rect">
+              <a:avLst/>
+            </a:prstGeom>
+            <a:solidFill>
+              <a:schemeClr val="bg1"/>
+            </a:solidFill>
+          </p:spPr>
+          <p:txBody>
+            <a:bodyPr wrap="none" rtlCol="0">
+              <a:spAutoFit/>
+            </a:bodyPr>
+            <a:lstStyle/>
+            <a:p>
+              <a:r>
+                <a:rPr lang="ko-KR" altLang="en-US" sz="1600" b="1" dirty="0">
+                  <a:latin typeface="NanumGothic" panose="020D0604000000000000" pitchFamily="34" charset="-127"/>
+                  <a:ea typeface="NanumGothic" panose="020D0604000000000000" pitchFamily="34" charset="-127"/>
+                </a:rPr>
+                <a:t>마을버스</a:t>
+              </a:r>
+              <a:br>
+                <a:rPr lang="en-US" altLang="ko-KR" sz="1600" b="1" dirty="0">
+                  <a:latin typeface="NanumGothic" panose="020D0604000000000000" pitchFamily="34" charset="-127"/>
+                  <a:ea typeface="NanumGothic" panose="020D0604000000000000" pitchFamily="34" charset="-127"/>
+                </a:rPr>
+              </a:br>
+              <a:r>
+                <a:rPr lang="ko-KR" altLang="en-US" sz="1600" b="1" dirty="0">
+                  <a:latin typeface="NanumGothic" panose="020D0604000000000000" pitchFamily="34" charset="-127"/>
+                  <a:ea typeface="NanumGothic" panose="020D0604000000000000" pitchFamily="34" charset="-127"/>
+                </a:rPr>
+                <a:t>서울대 후문</a:t>
+              </a:r>
+              <a:br>
+                <a:rPr lang="en-US" altLang="ko-KR" sz="1600" b="1" dirty="0">
+                  <a:latin typeface="NanumGothic" panose="020D0604000000000000" pitchFamily="34" charset="-127"/>
+                  <a:ea typeface="NanumGothic" panose="020D0604000000000000" pitchFamily="34" charset="-127"/>
+                </a:rPr>
+              </a:br>
+              <a:r>
+                <a:rPr lang="ko-KR" altLang="en-US" sz="1600" b="1" dirty="0">
+                  <a:latin typeface="NanumGothic" panose="020D0604000000000000" pitchFamily="34" charset="-127"/>
+                  <a:ea typeface="NanumGothic" panose="020D0604000000000000" pitchFamily="34" charset="-127"/>
+                </a:rPr>
+                <a:t>연구공원 하차</a:t>
+              </a:r>
+              <a:br>
+                <a:rPr lang="en-US" altLang="ko-KR" sz="1600" b="1" dirty="0">
+                  <a:latin typeface="NanumGothic" panose="020D0604000000000000" pitchFamily="34" charset="-127"/>
+                  <a:ea typeface="NanumGothic" panose="020D0604000000000000" pitchFamily="34" charset="-127"/>
+                </a:rPr>
+              </a:br>
+              <a:r>
+                <a:rPr lang="en-US" altLang="ko-KR" sz="1600" b="1" dirty="0">
+                  <a:latin typeface="NanumGothic" panose="020D0604000000000000" pitchFamily="34" charset="-127"/>
+                  <a:ea typeface="NanumGothic" panose="020D0604000000000000" pitchFamily="34" charset="-127"/>
+                </a:rPr>
+                <a:t>(</a:t>
+              </a:r>
+              <a:r>
+                <a:rPr lang="ko-KR" altLang="en-US" sz="1600" b="1" dirty="0" err="1">
+                  <a:latin typeface="NanumGothic" panose="020D0604000000000000" pitchFamily="34" charset="-127"/>
+                  <a:ea typeface="NanumGothic" panose="020D0604000000000000" pitchFamily="34" charset="-127"/>
+                </a:rPr>
+                <a:t>요금소</a:t>
+              </a:r>
+              <a:br>
+                <a:rPr lang="en-US" altLang="ko-KR" sz="1600" b="1" dirty="0">
+                  <a:latin typeface="NanumGothic" panose="020D0604000000000000" pitchFamily="34" charset="-127"/>
+                  <a:ea typeface="NanumGothic" panose="020D0604000000000000" pitchFamily="34" charset="-127"/>
+                </a:rPr>
+              </a:br>
+              <a:r>
+                <a:rPr lang="ko-KR" altLang="en-US" sz="1600" b="1" dirty="0">
+                  <a:latin typeface="NanumGothic" panose="020D0604000000000000" pitchFamily="34" charset="-127"/>
+                  <a:ea typeface="NanumGothic" panose="020D0604000000000000" pitchFamily="34" charset="-127"/>
+                </a:rPr>
+                <a:t>통과 전 하차</a:t>
+              </a:r>
+              <a:r>
+                <a:rPr lang="en-US" altLang="ko-KR" sz="1600" b="1" dirty="0">
+                  <a:latin typeface="NanumGothic" panose="020D0604000000000000" pitchFamily="34" charset="-127"/>
+                  <a:ea typeface="NanumGothic" panose="020D0604000000000000" pitchFamily="34" charset="-127"/>
+                </a:rPr>
+                <a:t>)</a:t>
+              </a:r>
+              <a:endParaRPr lang="en-KR" sz="1600" b="1" dirty="0">
+                <a:latin typeface="NanumGothic" panose="020D0604000000000000" pitchFamily="34" charset="-127"/>
+                <a:ea typeface="NanumGothic" panose="020D0604000000000000" pitchFamily="34" charset="-127"/>
+              </a:endParaRPr>
+            </a:p>
+          </p:txBody>
+        </p:sp>
+        <p:sp>
+          <p:nvSpPr>
+            <p:cNvPr id="15" name="TextBox 14">
+              <a:extLst>
+                <a:ext uri="{FF2B5EF4-FFF2-40B4-BE49-F238E27FC236}">
+                  <a16:creationId xmlns:a16="http://schemas.microsoft.com/office/drawing/2014/main" id="{E975263A-46FD-DC21-E384-6EF7B707DBE1}"/>
+                </a:ext>
+              </a:extLst>
+            </p:cNvPr>
+            <p:cNvSpPr txBox="1"/>
+            <p:nvPr/>
+          </p:nvSpPr>
+          <p:spPr>
+            <a:xfrm>
+              <a:off x="4559829" y="3326128"/>
+              <a:ext cx="1146469" cy="338554"/>
+            </a:xfrm>
+            <a:prstGeom prst="rect">
+              <a:avLst/>
+            </a:prstGeom>
+            <a:solidFill>
+              <a:schemeClr val="bg1"/>
+            </a:solidFill>
+          </p:spPr>
+          <p:txBody>
+            <a:bodyPr wrap="none" rtlCol="0">
+              <a:spAutoFit/>
+            </a:bodyPr>
+            <a:lstStyle/>
+            <a:p>
+              <a:pPr algn="ctr"/>
+              <a:r>
+                <a:rPr lang="ko-KR" altLang="en-US" sz="1600" dirty="0">
+                  <a:latin typeface="NanumGothic" panose="020D0604000000000000" pitchFamily="34" charset="-127"/>
+                  <a:ea typeface="NanumGothic" panose="020D0604000000000000" pitchFamily="34" charset="-127"/>
+                </a:rPr>
+                <a:t>과학전시관</a:t>
+              </a:r>
+              <a:endParaRPr lang="en-KR" sz="1600" dirty="0">
+                <a:latin typeface="NanumGothic" panose="020D0604000000000000" pitchFamily="34" charset="-127"/>
+                <a:ea typeface="NanumGothic" panose="020D0604000000000000" pitchFamily="34" charset="-127"/>
+              </a:endParaRPr>
+            </a:p>
+          </p:txBody>
+        </p:sp>
+        <p:sp>
+          <p:nvSpPr>
+            <p:cNvPr id="16" name="TextBox 15">
+              <a:extLst>
+                <a:ext uri="{FF2B5EF4-FFF2-40B4-BE49-F238E27FC236}">
+                  <a16:creationId xmlns:a16="http://schemas.microsoft.com/office/drawing/2014/main" id="{60FEFBE0-FDE9-15CC-6A38-F4034DD112B6}"/>
+                </a:ext>
+              </a:extLst>
+            </p:cNvPr>
+            <p:cNvSpPr txBox="1"/>
+            <p:nvPr/>
+          </p:nvSpPr>
+          <p:spPr>
+            <a:xfrm>
+              <a:off x="4780471" y="3794274"/>
+              <a:ext cx="761747" cy="338554"/>
+            </a:xfrm>
+            <a:prstGeom prst="rect">
+              <a:avLst/>
+            </a:prstGeom>
+            <a:solidFill>
+              <a:schemeClr val="bg1"/>
+            </a:solidFill>
+          </p:spPr>
+          <p:txBody>
+            <a:bodyPr wrap="none" rtlCol="0">
+              <a:spAutoFit/>
+            </a:bodyPr>
+            <a:lstStyle/>
+            <a:p>
+              <a:pPr algn="ctr"/>
+              <a:r>
+                <a:rPr lang="ko-KR" altLang="en-US" sz="1600" dirty="0" err="1">
+                  <a:latin typeface="NanumGothic" panose="020D0604000000000000" pitchFamily="34" charset="-127"/>
+                  <a:ea typeface="NanumGothic" panose="020D0604000000000000" pitchFamily="34" charset="-127"/>
+                </a:rPr>
+                <a:t>낙성대</a:t>
+              </a:r>
+              <a:endParaRPr lang="en-KR" sz="1600" dirty="0">
+                <a:latin typeface="NanumGothic" panose="020D0604000000000000" pitchFamily="34" charset="-127"/>
+                <a:ea typeface="NanumGothic" panose="020D0604000000000000" pitchFamily="34" charset="-127"/>
+              </a:endParaRPr>
+            </a:p>
+          </p:txBody>
+        </p:sp>
+        <p:sp>
+          <p:nvSpPr>
+            <p:cNvPr id="17" name="TextBox 16">
+              <a:extLst>
+                <a:ext uri="{FF2B5EF4-FFF2-40B4-BE49-F238E27FC236}">
+                  <a16:creationId xmlns:a16="http://schemas.microsoft.com/office/drawing/2014/main" id="{278822B2-3A78-ED0F-51FB-58568F33047F}"/>
+                </a:ext>
+              </a:extLst>
+            </p:cNvPr>
+            <p:cNvSpPr txBox="1"/>
+            <p:nvPr/>
+          </p:nvSpPr>
+          <p:spPr>
+            <a:xfrm>
+              <a:off x="4675868" y="1709511"/>
+              <a:ext cx="1588897" cy="338554"/>
+            </a:xfrm>
+            <a:prstGeom prst="rect">
+              <a:avLst/>
+            </a:prstGeom>
+            <a:solidFill>
+              <a:schemeClr val="bg1"/>
+            </a:solidFill>
+          </p:spPr>
+          <p:txBody>
+            <a:bodyPr wrap="none" rtlCol="0">
+              <a:spAutoFit/>
+            </a:bodyPr>
+            <a:lstStyle/>
+            <a:p>
+              <a:pPr algn="ctr"/>
+              <a:r>
+                <a:rPr lang="ko-KR" altLang="en-US" sz="1600" dirty="0">
+                  <a:latin typeface="NanumGothic" panose="020D0604000000000000" pitchFamily="34" charset="-127"/>
+                  <a:ea typeface="NanumGothic" panose="020D0604000000000000" pitchFamily="34" charset="-127"/>
+                </a:rPr>
+                <a:t>서울대학교 후문</a:t>
+              </a:r>
+              <a:endParaRPr lang="en-KR" sz="1600" dirty="0">
+                <a:latin typeface="NanumGothic" panose="020D0604000000000000" pitchFamily="34" charset="-127"/>
+                <a:ea typeface="NanumGothic" panose="020D0604000000000000" pitchFamily="34" charset="-127"/>
+              </a:endParaRPr>
+            </a:p>
+          </p:txBody>
+        </p:sp>
+        <p:sp>
+          <p:nvSpPr>
+            <p:cNvPr id="18" name="TextBox 17">
+              <a:extLst>
+                <a:ext uri="{FF2B5EF4-FFF2-40B4-BE49-F238E27FC236}">
+                  <a16:creationId xmlns:a16="http://schemas.microsoft.com/office/drawing/2014/main" id="{DF236C90-4422-EEB9-8D0B-97E9B538754B}"/>
+                </a:ext>
+              </a:extLst>
+            </p:cNvPr>
+            <p:cNvSpPr txBox="1"/>
+            <p:nvPr/>
+          </p:nvSpPr>
+          <p:spPr>
+            <a:xfrm>
+              <a:off x="4180847" y="4586085"/>
+              <a:ext cx="671596" cy="246221"/>
+            </a:xfrm>
+            <a:prstGeom prst="rect">
+              <a:avLst/>
+            </a:prstGeom>
+            <a:solidFill>
+              <a:schemeClr val="bg1"/>
+            </a:solidFill>
+          </p:spPr>
+          <p:txBody>
+            <a:bodyPr wrap="none" lIns="46800" tIns="0" rIns="46800" bIns="0" rtlCol="0">
+              <a:spAutoFit/>
+            </a:bodyPr>
+            <a:lstStyle/>
+            <a:p>
+              <a:pPr algn="ctr"/>
+              <a:r>
+                <a:rPr lang="ko-KR" altLang="en-US" sz="1600" dirty="0">
+                  <a:latin typeface="NanumGothic" panose="020D0604000000000000" pitchFamily="34" charset="-127"/>
+                  <a:ea typeface="NanumGothic" panose="020D0604000000000000" pitchFamily="34" charset="-127"/>
+                </a:rPr>
+                <a:t>주유소</a:t>
+              </a:r>
+              <a:endParaRPr lang="en-KR" sz="1600" dirty="0">
+                <a:latin typeface="NanumGothic" panose="020D0604000000000000" pitchFamily="34" charset="-127"/>
+                <a:ea typeface="NanumGothic" panose="020D0604000000000000" pitchFamily="34" charset="-127"/>
+              </a:endParaRPr>
+            </a:p>
+          </p:txBody>
+        </p:sp>
+        <p:sp>
+          <p:nvSpPr>
+            <p:cNvPr id="19" name="TextBox 18">
+              <a:extLst>
+                <a:ext uri="{FF2B5EF4-FFF2-40B4-BE49-F238E27FC236}">
+                  <a16:creationId xmlns:a16="http://schemas.microsoft.com/office/drawing/2014/main" id="{F9B5C018-D690-D310-0634-F5AC616E65E4}"/>
+                </a:ext>
+              </a:extLst>
+            </p:cNvPr>
+            <p:cNvSpPr txBox="1"/>
+            <p:nvPr/>
+          </p:nvSpPr>
+          <p:spPr>
+            <a:xfrm>
+              <a:off x="2944816" y="4547458"/>
+              <a:ext cx="954107" cy="492443"/>
+            </a:xfrm>
+            <a:prstGeom prst="rect">
+              <a:avLst/>
+            </a:prstGeom>
+            <a:solidFill>
+              <a:schemeClr val="bg1"/>
+            </a:solidFill>
+          </p:spPr>
+          <p:txBody>
+            <a:bodyPr wrap="none" tIns="0" bIns="0" rtlCol="0">
+              <a:spAutoFit/>
+            </a:bodyPr>
+            <a:lstStyle/>
+            <a:p>
+              <a:pPr algn="r"/>
+              <a:r>
+                <a:rPr lang="ko-KR" altLang="en-US" sz="1600" b="1" dirty="0">
+                  <a:latin typeface="NanumGothic" panose="020D0604000000000000" pitchFamily="34" charset="-127"/>
+                  <a:ea typeface="NanumGothic" panose="020D0604000000000000" pitchFamily="34" charset="-127"/>
+                </a:rPr>
+                <a:t>낙성대역</a:t>
+              </a:r>
+              <a:br>
+                <a:rPr lang="en-US" altLang="ko-KR" sz="1600" b="1" dirty="0">
+                  <a:latin typeface="NanumGothic" panose="020D0604000000000000" pitchFamily="34" charset="-127"/>
+                  <a:ea typeface="NanumGothic" panose="020D0604000000000000" pitchFamily="34" charset="-127"/>
+                </a:rPr>
+              </a:br>
+              <a:r>
+                <a:rPr lang="en-US" altLang="ko-KR" sz="1600" b="1" dirty="0">
+                  <a:latin typeface="NanumGothic" panose="020D0604000000000000" pitchFamily="34" charset="-127"/>
+                  <a:ea typeface="NanumGothic" panose="020D0604000000000000" pitchFamily="34" charset="-127"/>
+                </a:rPr>
+                <a:t>4</a:t>
+              </a:r>
+              <a:r>
+                <a:rPr lang="ko-KR" altLang="en-US" sz="1600" b="1" dirty="0" err="1">
+                  <a:latin typeface="NanumGothic" panose="020D0604000000000000" pitchFamily="34" charset="-127"/>
+                  <a:ea typeface="NanumGothic" panose="020D0604000000000000" pitchFamily="34" charset="-127"/>
+                </a:rPr>
+                <a:t>번출구</a:t>
+              </a:r>
+              <a:endParaRPr lang="en-KR" sz="1600" b="1" dirty="0">
+                <a:latin typeface="NanumGothic" panose="020D0604000000000000" pitchFamily="34" charset="-127"/>
+                <a:ea typeface="NanumGothic" panose="020D0604000000000000" pitchFamily="34" charset="-127"/>
+              </a:endParaRPr>
+            </a:p>
+          </p:txBody>
+        </p:sp>
+        <p:sp>
+          <p:nvSpPr>
+            <p:cNvPr id="20" name="TextBox 19">
+              <a:extLst>
+                <a:ext uri="{FF2B5EF4-FFF2-40B4-BE49-F238E27FC236}">
+                  <a16:creationId xmlns:a16="http://schemas.microsoft.com/office/drawing/2014/main" id="{FDC62A61-C9F3-A12D-0B8C-A7C246429B1F}"/>
+                </a:ext>
+              </a:extLst>
+            </p:cNvPr>
+            <p:cNvSpPr txBox="1"/>
+            <p:nvPr/>
+          </p:nvSpPr>
+          <p:spPr>
+            <a:xfrm>
+              <a:off x="5470316" y="4547458"/>
+              <a:ext cx="954107" cy="1077218"/>
+            </a:xfrm>
+            <a:prstGeom prst="rect">
+              <a:avLst/>
+            </a:prstGeom>
+            <a:solidFill>
+              <a:schemeClr val="bg1"/>
+            </a:solidFill>
+          </p:spPr>
+          <p:txBody>
+            <a:bodyPr wrap="none" rtlCol="0">
+              <a:spAutoFit/>
+            </a:bodyPr>
+            <a:lstStyle/>
+            <a:p>
+              <a:r>
+                <a:rPr lang="ko-KR" altLang="en-US" sz="1600" b="1" dirty="0">
+                  <a:latin typeface="NanumGothic" panose="020D0604000000000000" pitchFamily="34" charset="-127"/>
+                  <a:ea typeface="NanumGothic" panose="020D0604000000000000" pitchFamily="34" charset="-127"/>
+                </a:rPr>
+                <a:t>마을버스</a:t>
+              </a:r>
+              <a:br>
+                <a:rPr lang="en-US" altLang="ko-KR" sz="1600" b="1" dirty="0">
+                  <a:latin typeface="NanumGothic" panose="020D0604000000000000" pitchFamily="34" charset="-127"/>
+                  <a:ea typeface="NanumGothic" panose="020D0604000000000000" pitchFamily="34" charset="-127"/>
+                </a:rPr>
+              </a:br>
+              <a:r>
+                <a:rPr lang="en-US" altLang="ko-KR" sz="1600" b="1" dirty="0">
+                  <a:latin typeface="NanumGothic" panose="020D0604000000000000" pitchFamily="34" charset="-127"/>
+                  <a:ea typeface="NanumGothic" panose="020D0604000000000000" pitchFamily="34" charset="-127"/>
+                </a:rPr>
+                <a:t>02-1,</a:t>
+              </a:r>
+              <a:br>
+                <a:rPr lang="en-US" altLang="ko-KR" sz="1600" b="1" dirty="0">
+                  <a:latin typeface="NanumGothic" panose="020D0604000000000000" pitchFamily="34" charset="-127"/>
+                  <a:ea typeface="NanumGothic" panose="020D0604000000000000" pitchFamily="34" charset="-127"/>
+                </a:rPr>
+              </a:br>
+              <a:r>
+                <a:rPr lang="en-US" altLang="ko-KR" sz="1600" b="1" dirty="0">
+                  <a:latin typeface="NanumGothic" panose="020D0604000000000000" pitchFamily="34" charset="-127"/>
+                  <a:ea typeface="NanumGothic" panose="020D0604000000000000" pitchFamily="34" charset="-127"/>
+                </a:rPr>
+                <a:t>02-2</a:t>
+              </a:r>
+              <a:r>
+                <a:rPr lang="ko-KR" altLang="en-US" sz="1600" b="1" dirty="0">
+                  <a:latin typeface="NanumGothic" panose="020D0604000000000000" pitchFamily="34" charset="-127"/>
+                  <a:ea typeface="NanumGothic" panose="020D0604000000000000" pitchFamily="34" charset="-127"/>
+                </a:rPr>
+                <a:t>번</a:t>
+              </a:r>
+              <a:br>
+                <a:rPr lang="en-US" altLang="ko-KR" sz="1600" b="1" dirty="0">
+                  <a:latin typeface="NanumGothic" panose="020D0604000000000000" pitchFamily="34" charset="-127"/>
+                  <a:ea typeface="NanumGothic" panose="020D0604000000000000" pitchFamily="34" charset="-127"/>
+                </a:rPr>
+              </a:br>
+              <a:r>
+                <a:rPr lang="ko-KR" altLang="en-US" sz="1600" b="1" dirty="0">
+                  <a:latin typeface="NanumGothic" panose="020D0604000000000000" pitchFamily="34" charset="-127"/>
+                  <a:ea typeface="NanumGothic" panose="020D0604000000000000" pitchFamily="34" charset="-127"/>
+                </a:rPr>
+                <a:t>정류장</a:t>
+              </a:r>
+              <a:endParaRPr lang="en-KR" sz="1600" b="1" dirty="0">
+                <a:latin typeface="NanumGothic" panose="020D0604000000000000" pitchFamily="34" charset="-127"/>
+                <a:ea typeface="NanumGothic" panose="020D0604000000000000" pitchFamily="34" charset="-127"/>
+              </a:endParaRPr>
+            </a:p>
+          </p:txBody>
+        </p:sp>
+        <p:sp>
+          <p:nvSpPr>
+            <p:cNvPr id="22" name="TextBox 21">
+              <a:extLst>
+                <a:ext uri="{FF2B5EF4-FFF2-40B4-BE49-F238E27FC236}">
+                  <a16:creationId xmlns:a16="http://schemas.microsoft.com/office/drawing/2014/main" id="{77D2D7A0-395C-2440-8002-904828770539}"/>
+                </a:ext>
+              </a:extLst>
+            </p:cNvPr>
+            <p:cNvSpPr txBox="1"/>
+            <p:nvPr/>
+          </p:nvSpPr>
+          <p:spPr>
+            <a:xfrm>
+              <a:off x="2752454" y="5277664"/>
+              <a:ext cx="1146469" cy="338554"/>
+            </a:xfrm>
+            <a:prstGeom prst="rect">
+              <a:avLst/>
+            </a:prstGeom>
+            <a:solidFill>
+              <a:schemeClr val="bg1"/>
+            </a:solidFill>
+          </p:spPr>
+          <p:txBody>
+            <a:bodyPr wrap="none" rtlCol="0">
+              <a:spAutoFit/>
+            </a:bodyPr>
+            <a:lstStyle/>
+            <a:p>
+              <a:pPr algn="ctr"/>
+              <a:r>
+                <a:rPr lang="ko-KR" altLang="en-US" sz="1600" dirty="0">
+                  <a:latin typeface="NanumGothic" panose="020D0604000000000000" pitchFamily="34" charset="-127"/>
+                  <a:ea typeface="NanumGothic" panose="020D0604000000000000" pitchFamily="34" charset="-127"/>
+                </a:rPr>
+                <a:t>남부순환로</a:t>
+              </a:r>
+              <a:endParaRPr lang="en-KR" sz="1600" dirty="0">
+                <a:latin typeface="NanumGothic" panose="020D0604000000000000" pitchFamily="34" charset="-127"/>
+                <a:ea typeface="NanumGothic" panose="020D0604000000000000" pitchFamily="34" charset="-127"/>
+              </a:endParaRPr>
+            </a:p>
+          </p:txBody>
+        </p:sp>
+        <p:sp>
+          <p:nvSpPr>
+            <p:cNvPr id="24" name="Rectangle 23">
+              <a:extLst>
+                <a:ext uri="{FF2B5EF4-FFF2-40B4-BE49-F238E27FC236}">
+                  <a16:creationId xmlns:a16="http://schemas.microsoft.com/office/drawing/2014/main" id="{775A87F9-A3C6-69FA-3E62-3F7DC4BACC70}"/>
+                </a:ext>
+              </a:extLst>
+            </p:cNvPr>
+            <p:cNvSpPr/>
+            <p:nvPr/>
+          </p:nvSpPr>
+          <p:spPr>
+            <a:xfrm>
+              <a:off x="6811810" y="4547458"/>
+              <a:ext cx="596908" cy="492443"/>
+            </a:xfrm>
+            <a:prstGeom prst="rect">
+              <a:avLst/>
+            </a:prstGeom>
+            <a:ln>
+              <a:noFill/>
+            </a:ln>
+          </p:spPr>
+          <p:style>
+            <a:lnRef idx="2">
+              <a:schemeClr val="accent6"/>
+            </a:lnRef>
+            <a:fillRef idx="1">
+              <a:schemeClr val="lt1"/>
+            </a:fillRef>
+            <a:effectRef idx="0">
+              <a:schemeClr val="accent6"/>
+            </a:effectRef>
+            <a:fontRef idx="minor">
+              <a:schemeClr val="dk1"/>
+            </a:fontRef>
+          </p:style>
+          <p:txBody>
+            <a:bodyPr rtlCol="0" anchor="ctr"/>
+            <a:lstStyle/>
+            <a:p>
+              <a:pPr algn="ctr"/>
+              <a:endParaRPr lang="en-KR"/>
+            </a:p>
+          </p:txBody>
+        </p:sp>
+        <p:sp>
+          <p:nvSpPr>
+            <p:cNvPr id="21" name="TextBox 20">
+              <a:extLst>
+                <a:ext uri="{FF2B5EF4-FFF2-40B4-BE49-F238E27FC236}">
+                  <a16:creationId xmlns:a16="http://schemas.microsoft.com/office/drawing/2014/main" id="{742DC1D7-09CD-8EFB-0C34-44AA01DD550D}"/>
+                </a:ext>
+              </a:extLst>
+            </p:cNvPr>
+            <p:cNvSpPr txBox="1"/>
+            <p:nvPr/>
+          </p:nvSpPr>
+          <p:spPr>
+            <a:xfrm>
+              <a:off x="7181717" y="4093642"/>
+              <a:ext cx="761812" cy="492443"/>
+            </a:xfrm>
+            <a:prstGeom prst="rect">
+              <a:avLst/>
+            </a:prstGeom>
+            <a:solidFill>
+              <a:schemeClr val="bg1"/>
+            </a:solidFill>
+          </p:spPr>
+          <p:txBody>
+            <a:bodyPr wrap="none" tIns="0" bIns="0" rtlCol="0">
+              <a:spAutoFit/>
+            </a:bodyPr>
+            <a:lstStyle/>
+            <a:p>
+              <a:pPr algn="r"/>
+              <a:r>
+                <a:rPr lang="ko-KR" altLang="en-US" sz="1600" dirty="0">
+                  <a:latin typeface="NanumGothic" panose="020D0604000000000000" pitchFamily="34" charset="-127"/>
+                  <a:ea typeface="NanumGothic" panose="020D0604000000000000" pitchFamily="34" charset="-127"/>
+                </a:rPr>
+                <a:t>서울대</a:t>
+              </a:r>
+              <a:br>
+                <a:rPr lang="en-US" altLang="ko-KR" sz="1600" dirty="0">
+                  <a:latin typeface="NanumGothic" panose="020D0604000000000000" pitchFamily="34" charset="-127"/>
+                  <a:ea typeface="NanumGothic" panose="020D0604000000000000" pitchFamily="34" charset="-127"/>
+                </a:rPr>
+              </a:br>
+              <a:r>
+                <a:rPr lang="ko-KR" altLang="en-US" sz="1600" dirty="0" err="1">
+                  <a:latin typeface="NanumGothic" panose="020D0604000000000000" pitchFamily="34" charset="-127"/>
+                  <a:ea typeface="NanumGothic" panose="020D0604000000000000" pitchFamily="34" charset="-127"/>
+                </a:rPr>
+                <a:t>입구역</a:t>
+              </a:r>
+              <a:endParaRPr lang="en-KR" sz="1600" dirty="0">
+                <a:latin typeface="NanumGothic" panose="020D0604000000000000" pitchFamily="34" charset="-127"/>
+                <a:ea typeface="NanumGothic" panose="020D0604000000000000" pitchFamily="34" charset="-127"/>
+              </a:endParaRPr>
+            </a:p>
+          </p:txBody>
+        </p:sp>
+        <p:pic>
+          <p:nvPicPr>
+            <p:cNvPr id="1026" name="Picture 2" descr="省略線イラスト｜無料イラスト・フリー素材なら「イラストAC」">
+              <a:extLst>
+                <a:ext uri="{FF2B5EF4-FFF2-40B4-BE49-F238E27FC236}">
+                  <a16:creationId xmlns:a16="http://schemas.microsoft.com/office/drawing/2014/main" id="{62ECC363-385C-6F03-FE7D-6119B2643ABB}"/>
+                </a:ext>
+              </a:extLst>
+            </p:cNvPr>
+            <p:cNvPicPr>
+              <a:picLocks noChangeAspect="1" noChangeArrowheads="1"/>
+            </p:cNvPicPr>
+            <p:nvPr/>
+          </p:nvPicPr>
+          <p:blipFill rotWithShape="1">
+            <a:blip r:embed="rId3">
+              <a:extLst>
+                <a:ext uri="{BEBA8EAE-BF5A-486C-A8C5-ECC9F3942E4B}">
+                  <a14:imgProps xmlns:a14="http://schemas.microsoft.com/office/drawing/2010/main">
+                    <a14:imgLayer r:embed="rId4">
+                      <a14:imgEffect>
+                        <a14:sharpenSoften amount="50000"/>
+                      </a14:imgEffect>
+                    </a14:imgLayer>
+                  </a14:imgProps>
+                </a:ext>
+                <a:ext uri="{28A0092B-C50C-407E-A947-70E740481C1C}">
+                  <a14:useLocalDpi xmlns:a14="http://schemas.microsoft.com/office/drawing/2010/main" val="0"/>
+                </a:ext>
+              </a:extLst>
+            </a:blip>
+            <a:srcRect l="46893" t="1" r="46782" b="89028"/>
+            <a:stretch/>
+          </p:blipFill>
+          <p:spPr bwMode="auto">
+            <a:xfrm>
+              <a:off x="6905730" y="4923180"/>
+              <a:ext cx="273132" cy="473682"/>
+            </a:xfrm>
+            <a:prstGeom prst="rect">
+              <a:avLst/>
+            </a:prstGeom>
+            <a:noFill/>
+            <a:extLst>
+              <a:ext uri="{909E8E84-426E-40DD-AFC4-6F175D3DCCD1}">
+                <a14:hiddenFill xmlns:a14="http://schemas.microsoft.com/office/drawing/2010/main">
+                  <a:solidFill>
+                    <a:srgbClr val="FFFFFF"/>
+                  </a:solidFill>
+                </a14:hiddenFill>
+              </a:ext>
+            </a:extLst>
+          </p:spPr>
+        </p:pic>
+      </p:grpSp>
+    </p:spTree>
+    <p:extLst>
+      <p:ext uri="{BB962C8B-B14F-4D97-AF65-F5344CB8AC3E}">
+        <p14:creationId xmlns:p14="http://schemas.microsoft.com/office/powerpoint/2010/main" val="2331566270"/>
       </p:ext>
     </p:extLst>
   </p:cSld>
